--- a/03_Challenge.pptx
+++ b/03_Challenge.pptx
@@ -358,7 +358,7 @@
           <a:p>
             <a:fld id="{02243223-8F5B-47D4-B6E3-70CECE8A9622}" type="datetimeFigureOut">
               <a:rPr lang="en-US" smtClean="0"/>
-              <a:t>5/31/2018</a:t>
+              <a:t>6/4/2018</a:t>
             </a:fld>
             <a:endParaRPr lang="en-US"/>
           </a:p>
@@ -526,7 +526,7 @@
           <a:p>
             <a:fld id="{02243223-8F5B-47D4-B6E3-70CECE8A9622}" type="datetimeFigureOut">
               <a:rPr lang="en-US" smtClean="0"/>
-              <a:t>5/31/2018</a:t>
+              <a:t>6/4/2018</a:t>
             </a:fld>
             <a:endParaRPr lang="en-US"/>
           </a:p>
@@ -2969,7 +2969,7 @@
               <a:pPr>
                 <a:defRPr/>
               </a:pPr>
-              <a:t>5/31/2018</a:t>
+              <a:t>6/4/2018</a:t>
             </a:fld>
             <a:endParaRPr lang="en-US" altLang="en-US"/>
           </a:p>
@@ -10450,45 +10450,35 @@
             <a:spLocks noGrp="1"/>
           </p:cNvSpPr>
           <p:nvPr>
-            <p:ph type="ctrTitle"/>
+            <p:ph type="ctrTitle" idx="4294967295"/>
           </p:nvPr>
         </p:nvSpPr>
-        <p:spPr/>
+        <p:spPr>
+          <a:xfrm>
+            <a:off x="0" y="577780"/>
+            <a:ext cx="12192000" cy="5461279"/>
+          </a:xfrm>
+        </p:spPr>
         <p:txBody>
-          <a:bodyPr>
+          <a:bodyPr anchor="ctr">
             <a:normAutofit/>
           </a:bodyPr>
           <a:lstStyle/>
           <a:p>
+            <a:pPr algn="ctr"/>
             <a:r>
-              <a:rPr lang="en-US" dirty="0"/>
-              <a:t>Solution</a:t>
+              <a:rPr lang="en-US" sz="6600" b="1" dirty="0">
+                <a:solidFill>
+                  <a:schemeClr val="bg1"/>
+                </a:solidFill>
+              </a:rPr>
+              <a:t>Challenge</a:t>
             </a:r>
-          </a:p>
-        </p:txBody>
-      </p:sp>
-      <p:sp>
-        <p:nvSpPr>
-          <p:cNvPr id="5" name="Subtitle 4">
-            <a:extLst>
-              <a:ext uri="{FF2B5EF4-FFF2-40B4-BE49-F238E27FC236}">
-                <a16:creationId xmlns:a16="http://schemas.microsoft.com/office/drawing/2014/main" id="{7809602C-EE04-4FD1-8881-F192BC9BC93F}"/>
-              </a:ext>
-            </a:extLst>
-          </p:cNvPr>
-          <p:cNvSpPr>
-            <a:spLocks noGrp="1"/>
-          </p:cNvSpPr>
-          <p:nvPr>
-            <p:ph type="subTitle" idx="1"/>
-          </p:nvPr>
-        </p:nvSpPr>
-        <p:spPr/>
-        <p:txBody>
-          <a:bodyPr/>
-          <a:lstStyle/>
-          <a:p>
-            <a:endParaRPr lang="en-US" dirty="0"/>
+            <a:endParaRPr lang="en-US" b="1" dirty="0">
+              <a:solidFill>
+                <a:schemeClr val="bg1"/>
+              </a:solidFill>
+            </a:endParaRPr>
           </a:p>
         </p:txBody>
       </p:sp>
@@ -10502,6 +10492,9 @@
   <p:clrMapOvr>
     <a:masterClrMapping/>
   </p:clrMapOvr>
+  <p:transition>
+    <p:dissolve/>
+  </p:transition>
 </p:sld>
 </file>
 
@@ -11655,7 +11648,7 @@
         <a:effectLst/>
         <a:extLst>
           <a:ext uri="{AF507438-7753-43e0-B8FC-AC1667EBCBE1}">
-            <a14:hiddenEffects xmlns:a14="http://schemas.microsoft.com/office/drawing/2010/main" xmlns="">
+            <a14:hiddenEffects xmlns="" xmlns:a14="http://schemas.microsoft.com/office/drawing/2010/main">
               <a:effectLst>
                 <a:outerShdw blurRad="63500" dist="38099" dir="2700000" algn="ctr" rotWithShape="0">
                   <a:schemeClr val="bg2">
@@ -11735,7 +11728,7 @@
         <a:effectLst/>
         <a:extLst>
           <a:ext uri="{AF507438-7753-43e0-B8FC-AC1667EBCBE1}">
-            <a14:hiddenEffects xmlns:a14="http://schemas.microsoft.com/office/drawing/2010/main" xmlns="">
+            <a14:hiddenEffects xmlns="" xmlns:a14="http://schemas.microsoft.com/office/drawing/2010/main">
               <a:effectLst>
                 <a:outerShdw blurRad="63500" dist="38099" dir="2700000" algn="ctr" rotWithShape="0">
                   <a:schemeClr val="bg2">
@@ -12409,7 +12402,7 @@
         <a:effectLst/>
         <a:extLst>
           <a:ext uri="{AF507438-7753-43e0-B8FC-AC1667EBCBE1}">
-            <a14:hiddenEffects xmlns:a14="http://schemas.microsoft.com/office/drawing/2010/main" xmlns="">
+            <a14:hiddenEffects xmlns="" xmlns:a14="http://schemas.microsoft.com/office/drawing/2010/main">
               <a:effectLst>
                 <a:outerShdw blurRad="63500" dist="38099" dir="2700000" algn="ctr" rotWithShape="0">
                   <a:schemeClr val="bg2">
@@ -12489,7 +12482,7 @@
         <a:effectLst/>
         <a:extLst>
           <a:ext uri="{AF507438-7753-43e0-B8FC-AC1667EBCBE1}">
-            <a14:hiddenEffects xmlns:a14="http://schemas.microsoft.com/office/drawing/2010/main" xmlns="">
+            <a14:hiddenEffects xmlns="" xmlns:a14="http://schemas.microsoft.com/office/drawing/2010/main">
               <a:effectLst>
                 <a:outerShdw blurRad="63500" dist="38099" dir="2700000" algn="ctr" rotWithShape="0">
                   <a:schemeClr val="bg2">
@@ -12838,7 +12831,7 @@
         <a:effectLst/>
         <a:extLst>
           <a:ext uri="{AF507438-7753-43e0-B8FC-AC1667EBCBE1}">
-            <a14:hiddenEffects xmlns:a14="http://schemas.microsoft.com/office/drawing/2010/main" xmlns="">
+            <a14:hiddenEffects xmlns="" xmlns:a14="http://schemas.microsoft.com/office/drawing/2010/main">
               <a:effectLst>
                 <a:outerShdw blurRad="63500" dist="38099" dir="2700000" algn="ctr" rotWithShape="0">
                   <a:schemeClr val="bg2">
@@ -12918,7 +12911,7 @@
         <a:effectLst/>
         <a:extLst>
           <a:ext uri="{AF507438-7753-43e0-B8FC-AC1667EBCBE1}">
-            <a14:hiddenEffects xmlns:a14="http://schemas.microsoft.com/office/drawing/2010/main" xmlns="">
+            <a14:hiddenEffects xmlns="" xmlns:a14="http://schemas.microsoft.com/office/drawing/2010/main">
               <a:effectLst>
                 <a:outerShdw blurRad="63500" dist="38099" dir="2700000" algn="ctr" rotWithShape="0">
                   <a:schemeClr val="bg2">
@@ -13267,7 +13260,7 @@
         <a:effectLst/>
         <a:extLst>
           <a:ext uri="{AF507438-7753-43e0-B8FC-AC1667EBCBE1}">
-            <a14:hiddenEffects xmlns:a14="http://schemas.microsoft.com/office/drawing/2010/main" xmlns="">
+            <a14:hiddenEffects xmlns="" xmlns:a14="http://schemas.microsoft.com/office/drawing/2010/main">
               <a:effectLst>
                 <a:outerShdw blurRad="63500" dist="38099" dir="2700000" algn="ctr" rotWithShape="0">
                   <a:schemeClr val="bg2">
@@ -13347,7 +13340,7 @@
         <a:effectLst/>
         <a:extLst>
           <a:ext uri="{AF507438-7753-43e0-B8FC-AC1667EBCBE1}">
-            <a14:hiddenEffects xmlns:a14="http://schemas.microsoft.com/office/drawing/2010/main" xmlns="">
+            <a14:hiddenEffects xmlns="" xmlns:a14="http://schemas.microsoft.com/office/drawing/2010/main">
               <a:effectLst>
                 <a:outerShdw blurRad="63500" dist="38099" dir="2700000" algn="ctr" rotWithShape="0">
                   <a:schemeClr val="bg2">
@@ -13696,7 +13689,7 @@
         <a:effectLst/>
         <a:extLst>
           <a:ext uri="{AF507438-7753-43e0-B8FC-AC1667EBCBE1}">
-            <a14:hiddenEffects xmlns:a14="http://schemas.microsoft.com/office/drawing/2010/main" xmlns="">
+            <a14:hiddenEffects xmlns="" xmlns:a14="http://schemas.microsoft.com/office/drawing/2010/main">
               <a:effectLst>
                 <a:outerShdw blurRad="63500" dist="38099" dir="2700000" algn="ctr" rotWithShape="0">
                   <a:schemeClr val="bg2">
@@ -13776,7 +13769,7 @@
         <a:effectLst/>
         <a:extLst>
           <a:ext uri="{AF507438-7753-43e0-B8FC-AC1667EBCBE1}">
-            <a14:hiddenEffects xmlns:a14="http://schemas.microsoft.com/office/drawing/2010/main" xmlns="">
+            <a14:hiddenEffects xmlns="" xmlns:a14="http://schemas.microsoft.com/office/drawing/2010/main">
               <a:effectLst>
                 <a:outerShdw blurRad="63500" dist="38099" dir="2700000" algn="ctr" rotWithShape="0">
                   <a:schemeClr val="bg2">
@@ -14125,7 +14118,7 @@
         <a:effectLst/>
         <a:extLst>
           <a:ext uri="{AF507438-7753-43e0-B8FC-AC1667EBCBE1}">
-            <a14:hiddenEffects xmlns:a14="http://schemas.microsoft.com/office/drawing/2010/main" xmlns="">
+            <a14:hiddenEffects xmlns="" xmlns:a14="http://schemas.microsoft.com/office/drawing/2010/main">
               <a:effectLst>
                 <a:outerShdw blurRad="63500" dist="38099" dir="2700000" algn="ctr" rotWithShape="0">
                   <a:schemeClr val="bg2">
@@ -14205,7 +14198,7 @@
         <a:effectLst/>
         <a:extLst>
           <a:ext uri="{AF507438-7753-43e0-B8FC-AC1667EBCBE1}">
-            <a14:hiddenEffects xmlns:a14="http://schemas.microsoft.com/office/drawing/2010/main" xmlns="">
+            <a14:hiddenEffects xmlns="" xmlns:a14="http://schemas.microsoft.com/office/drawing/2010/main">
               <a:effectLst>
                 <a:outerShdw blurRad="63500" dist="38099" dir="2700000" algn="ctr" rotWithShape="0">
                   <a:schemeClr val="bg2">
